--- a/cs5231 poster.pptx
+++ b/cs5231 poster.pptx
@@ -104,6 +104,11 @@
       </a:defRPr>
     </a:lvl9pPr>
   </p:defaultTextStyle>
+  <p:extLst>
+    <p:ext uri="{EFAFB233-063F-42B5-8137-9DF3F51BA10A}">
+      <p15:sldGuideLst xmlns:p15="http://schemas.microsoft.com/office/powerpoint/2012/main"/>
+    </p:ext>
+  </p:extLst>
 </p:presentation>
 </file>
 
@@ -2950,6 +2955,14 @@
 <file path=ppt/slides/slide1.xml><?xml version="1.0" encoding="utf-8"?>
 <p:sld xmlns:a="http://schemas.openxmlformats.org/drawingml/2006/main" xmlns:r="http://schemas.openxmlformats.org/officeDocument/2006/relationships" xmlns:p="http://schemas.openxmlformats.org/presentationml/2006/main">
   <p:cSld>
+    <p:bg>
+      <p:bgPr>
+        <a:solidFill>
+          <a:schemeClr val="tx1"/>
+        </a:solidFill>
+        <a:effectLst/>
+      </p:bgPr>
+    </p:bg>
     <p:spTree>
       <p:nvGrpSpPr>
         <p:cNvPr id="1" name=""/>
@@ -3024,6 +3037,9 @@
                   </a:solidFill>
                   <a:prstDash val="solid"/>
                 </a:ln>
+                <a:solidFill>
+                  <a:srgbClr val="FFFF00"/>
+                </a:solidFill>
                 <a:effectLst/>
               </a:rPr>
               <a:t>Android ADB Exploit by USB Connection to SBC</a:t>
@@ -3035,6 +3051,9 @@
                 </a:solidFill>
                 <a:prstDash val="solid"/>
               </a:ln>
+              <a:solidFill>
+                <a:srgbClr val="FFFF00"/>
+              </a:solidFill>
               <a:effectLst/>
             </a:endParaRPr>
           </a:p>

--- a/cs5231 poster.pptx
+++ b/cs5231 poster.pptx
@@ -243,7 +243,7 @@
           <a:p>
             <a:fld id="{9A055ADC-C109-43F5-B495-AB4159B5EC5D}" type="datetimeFigureOut">
               <a:rPr lang="en-SG" smtClean="0"/>
-              <a:t>4/11/2016</a:t>
+              <a:t>7/11/2016</a:t>
             </a:fld>
             <a:endParaRPr lang="en-SG"/>
           </a:p>
@@ -413,7 +413,7 @@
           <a:p>
             <a:fld id="{9A055ADC-C109-43F5-B495-AB4159B5EC5D}" type="datetimeFigureOut">
               <a:rPr lang="en-SG" smtClean="0"/>
-              <a:t>4/11/2016</a:t>
+              <a:t>7/11/2016</a:t>
             </a:fld>
             <a:endParaRPr lang="en-SG"/>
           </a:p>
@@ -593,7 +593,7 @@
           <a:p>
             <a:fld id="{9A055ADC-C109-43F5-B495-AB4159B5EC5D}" type="datetimeFigureOut">
               <a:rPr lang="en-SG" smtClean="0"/>
-              <a:t>4/11/2016</a:t>
+              <a:t>7/11/2016</a:t>
             </a:fld>
             <a:endParaRPr lang="en-SG"/>
           </a:p>
@@ -763,7 +763,7 @@
           <a:p>
             <a:fld id="{9A055ADC-C109-43F5-B495-AB4159B5EC5D}" type="datetimeFigureOut">
               <a:rPr lang="en-SG" smtClean="0"/>
-              <a:t>4/11/2016</a:t>
+              <a:t>7/11/2016</a:t>
             </a:fld>
             <a:endParaRPr lang="en-SG"/>
           </a:p>
@@ -1009,7 +1009,7 @@
           <a:p>
             <a:fld id="{9A055ADC-C109-43F5-B495-AB4159B5EC5D}" type="datetimeFigureOut">
               <a:rPr lang="en-SG" smtClean="0"/>
-              <a:t>4/11/2016</a:t>
+              <a:t>7/11/2016</a:t>
             </a:fld>
             <a:endParaRPr lang="en-SG"/>
           </a:p>
@@ -1241,7 +1241,7 @@
           <a:p>
             <a:fld id="{9A055ADC-C109-43F5-B495-AB4159B5EC5D}" type="datetimeFigureOut">
               <a:rPr lang="en-SG" smtClean="0"/>
-              <a:t>4/11/2016</a:t>
+              <a:t>7/11/2016</a:t>
             </a:fld>
             <a:endParaRPr lang="en-SG"/>
           </a:p>
@@ -1608,7 +1608,7 @@
           <a:p>
             <a:fld id="{9A055ADC-C109-43F5-B495-AB4159B5EC5D}" type="datetimeFigureOut">
               <a:rPr lang="en-SG" smtClean="0"/>
-              <a:t>4/11/2016</a:t>
+              <a:t>7/11/2016</a:t>
             </a:fld>
             <a:endParaRPr lang="en-SG"/>
           </a:p>
@@ -1726,7 +1726,7 @@
           <a:p>
             <a:fld id="{9A055ADC-C109-43F5-B495-AB4159B5EC5D}" type="datetimeFigureOut">
               <a:rPr lang="en-SG" smtClean="0"/>
-              <a:t>4/11/2016</a:t>
+              <a:t>7/11/2016</a:t>
             </a:fld>
             <a:endParaRPr lang="en-SG"/>
           </a:p>
@@ -1821,7 +1821,7 @@
           <a:p>
             <a:fld id="{9A055ADC-C109-43F5-B495-AB4159B5EC5D}" type="datetimeFigureOut">
               <a:rPr lang="en-SG" smtClean="0"/>
-              <a:t>4/11/2016</a:t>
+              <a:t>7/11/2016</a:t>
             </a:fld>
             <a:endParaRPr lang="en-SG"/>
           </a:p>
@@ -2098,7 +2098,7 @@
           <a:p>
             <a:fld id="{9A055ADC-C109-43F5-B495-AB4159B5EC5D}" type="datetimeFigureOut">
               <a:rPr lang="en-SG" smtClean="0"/>
-              <a:t>4/11/2016</a:t>
+              <a:t>7/11/2016</a:t>
             </a:fld>
             <a:endParaRPr lang="en-SG"/>
           </a:p>
@@ -2351,7 +2351,7 @@
           <a:p>
             <a:fld id="{9A055ADC-C109-43F5-B495-AB4159B5EC5D}" type="datetimeFigureOut">
               <a:rPr lang="en-SG" smtClean="0"/>
-              <a:t>4/11/2016</a:t>
+              <a:t>7/11/2016</a:t>
             </a:fld>
             <a:endParaRPr lang="en-SG"/>
           </a:p>
@@ -2564,7 +2564,7 @@
           <a:p>
             <a:fld id="{9A055ADC-C109-43F5-B495-AB4159B5EC5D}" type="datetimeFigureOut">
               <a:rPr lang="en-SG" smtClean="0"/>
-              <a:t>4/11/2016</a:t>
+              <a:t>7/11/2016</a:t>
             </a:fld>
             <a:endParaRPr lang="en-SG"/>
           </a:p>
@@ -3080,8 +3080,8 @@
         </p:blipFill>
         <p:spPr>
           <a:xfrm>
-            <a:off x="5774634" y="5175716"/>
-            <a:ext cx="6258339" cy="1509641"/>
+            <a:off x="8287349" y="5107658"/>
+            <a:ext cx="3273984" cy="1509641"/>
           </a:xfrm>
           <a:prstGeom prst="rect">
             <a:avLst/>
@@ -3109,8 +3109,8 @@
         </p:blipFill>
         <p:spPr>
           <a:xfrm>
-            <a:off x="99391" y="5124914"/>
-            <a:ext cx="5524979" cy="1560443"/>
+            <a:off x="4369869" y="5120334"/>
+            <a:ext cx="3128207" cy="1496965"/>
           </a:xfrm>
           <a:prstGeom prst="rect">
             <a:avLst/>
@@ -3139,8 +3139,8 @@
         </p:blipFill>
         <p:spPr>
           <a:xfrm>
-            <a:off x="99392" y="2762589"/>
-            <a:ext cx="5524979" cy="1822087"/>
+            <a:off x="4369869" y="2760828"/>
+            <a:ext cx="3166710" cy="1568779"/>
           </a:xfrm>
           <a:prstGeom prst="rect">
             <a:avLst/>
@@ -3156,14 +3156,14 @@
           <p:nvPr>
             <p:extLst>
               <p:ext uri="{D42A27DB-BD31-4B8C-83A1-F6EECF244321}">
-                <p14:modId xmlns:p14="http://schemas.microsoft.com/office/powerpoint/2010/main" val="1591723003"/>
+                <p14:modId xmlns:p14="http://schemas.microsoft.com/office/powerpoint/2010/main" val="3914842891"/>
               </p:ext>
             </p:extLst>
           </p:nvPr>
         </p:nvGraphicFramePr>
         <p:xfrm>
-          <a:off x="99392" y="2122509"/>
-          <a:ext cx="5524979" cy="640080"/>
+          <a:off x="4369869" y="2145957"/>
+          <a:ext cx="3166710" cy="640080"/>
         </p:xfrm>
         <a:graphic>
           <a:graphicData uri="http://schemas.openxmlformats.org/drawingml/2006/table">
@@ -3172,9 +3172,9 @@
                 <a:tableStyleId>{5C22544A-7EE6-4342-B048-85BDC9FD1C3A}</a:tableStyleId>
               </a:tblPr>
               <a:tblGrid>
-                <a:gridCol w="5524979"/>
+                <a:gridCol w="3166710"/>
               </a:tblGrid>
-              <a:tr h="0">
+              <a:tr h="385149">
                 <a:tc>
                   <a:txBody>
                     <a:bodyPr/>
@@ -3203,7 +3203,11 @@
                       </a:r>
                       <a:r>
                         <a:rPr lang="en-SG" baseline="0" dirty="0" smtClean="0"/>
-                        <a:t>ing of Pictures</a:t>
+                        <a:t>ing of </a:t>
+                      </a:r>
+                      <a:r>
+                        <a:rPr lang="en-SG" baseline="0" dirty="0" smtClean="0"/>
+                        <a:t>Data</a:t>
                       </a:r>
                       <a:endParaRPr lang="en-SG" dirty="0" smtClean="0"/>
                     </a:p>
@@ -3227,14 +3231,14 @@
           <p:nvPr>
             <p:extLst>
               <p:ext uri="{D42A27DB-BD31-4B8C-83A1-F6EECF244321}">
-                <p14:modId xmlns:p14="http://schemas.microsoft.com/office/powerpoint/2010/main" val="148248765"/>
+                <p14:modId xmlns:p14="http://schemas.microsoft.com/office/powerpoint/2010/main" val="4192133049"/>
               </p:ext>
             </p:extLst>
           </p:nvPr>
         </p:nvGraphicFramePr>
         <p:xfrm>
-          <a:off x="99391" y="4675665"/>
-          <a:ext cx="5524979" cy="640080"/>
+          <a:off x="4369870" y="4467578"/>
+          <a:ext cx="3128208" cy="640080"/>
         </p:xfrm>
         <a:graphic>
           <a:graphicData uri="http://schemas.openxmlformats.org/drawingml/2006/table">
@@ -3243,7 +3247,7 @@
                 <a:tableStyleId>{5C22544A-7EE6-4342-B048-85BDC9FD1C3A}</a:tableStyleId>
               </a:tblPr>
               <a:tblGrid>
-                <a:gridCol w="5524979"/>
+                <a:gridCol w="3128208"/>
               </a:tblGrid>
               <a:tr h="0">
                 <a:tc>
@@ -3298,14 +3302,14 @@
           <p:nvPr>
             <p:extLst>
               <p:ext uri="{D42A27DB-BD31-4B8C-83A1-F6EECF244321}">
-                <p14:modId xmlns:p14="http://schemas.microsoft.com/office/powerpoint/2010/main" val="2576809647"/>
+                <p14:modId xmlns:p14="http://schemas.microsoft.com/office/powerpoint/2010/main" val="1271550356"/>
               </p:ext>
             </p:extLst>
           </p:nvPr>
         </p:nvGraphicFramePr>
         <p:xfrm>
-          <a:off x="5774633" y="4675665"/>
-          <a:ext cx="6258339" cy="640080"/>
+          <a:off x="8287350" y="4467578"/>
+          <a:ext cx="3273983" cy="640080"/>
         </p:xfrm>
         <a:graphic>
           <a:graphicData uri="http://schemas.openxmlformats.org/drawingml/2006/table">
@@ -3314,7 +3318,7 @@
                 <a:tableStyleId>{5C22544A-7EE6-4342-B048-85BDC9FD1C3A}</a:tableStyleId>
               </a:tblPr>
               <a:tblGrid>
-                <a:gridCol w="6258339"/>
+                <a:gridCol w="3273983"/>
               </a:tblGrid>
               <a:tr h="640080">
                 <a:tc>
@@ -3357,8 +3361,8 @@
         </p:blipFill>
         <p:spPr>
           <a:xfrm>
-            <a:off x="5774634" y="2779110"/>
-            <a:ext cx="6258339" cy="1789044"/>
+            <a:off x="8287354" y="2779110"/>
+            <a:ext cx="3273984" cy="1552258"/>
           </a:xfrm>
           <a:prstGeom prst="rect">
             <a:avLst/>
@@ -3374,14 +3378,14 @@
           <p:nvPr>
             <p:extLst>
               <p:ext uri="{D42A27DB-BD31-4B8C-83A1-F6EECF244321}">
-                <p14:modId xmlns:p14="http://schemas.microsoft.com/office/powerpoint/2010/main" val="1203183960"/>
+                <p14:modId xmlns:p14="http://schemas.microsoft.com/office/powerpoint/2010/main" val="986691667"/>
               </p:ext>
             </p:extLst>
           </p:nvPr>
         </p:nvGraphicFramePr>
         <p:xfrm>
-          <a:off x="5774634" y="2145957"/>
-          <a:ext cx="6258339" cy="616632"/>
+          <a:off x="8287354" y="2145957"/>
+          <a:ext cx="3273984" cy="616632"/>
         </p:xfrm>
         <a:graphic>
           <a:graphicData uri="http://schemas.openxmlformats.org/drawingml/2006/table">
@@ -3390,7 +3394,7 @@
                 <a:tableStyleId>{5C22544A-7EE6-4342-B048-85BDC9FD1C3A}</a:tableStyleId>
               </a:tblPr>
               <a:tblGrid>
-                <a:gridCol w="6258339"/>
+                <a:gridCol w="3273984"/>
               </a:tblGrid>
               <a:tr h="616632">
                 <a:tc>
@@ -3405,6 +3409,162 @@
                       <a:r>
                         <a:rPr lang="en-SG" baseline="0" dirty="0" smtClean="0"/>
                         <a:t> Location</a:t>
+                      </a:r>
+                      <a:endParaRPr lang="en-SG" dirty="0"/>
+                    </a:p>
+                  </a:txBody>
+                  <a:tcPr/>
+                </a:tc>
+              </a:tr>
+            </a:tbl>
+          </a:graphicData>
+        </a:graphic>
+      </p:graphicFrame>
+      <p:pic>
+        <p:nvPicPr>
+          <p:cNvPr id="2" name="Picture 1"/>
+          <p:cNvPicPr>
+            <a:picLocks noChangeAspect="1"/>
+          </p:cNvPicPr>
+          <p:nvPr/>
+        </p:nvPicPr>
+        <p:blipFill rotWithShape="1">
+          <a:blip r:embed="rId7">
+            <a:extLst>
+              <a:ext uri="{28A0092B-C50C-407E-A947-70E740481C1C}">
+                <a14:useLocalDpi xmlns:a14="http://schemas.microsoft.com/office/drawing/2010/main" val="0"/>
+              </a:ext>
+            </a:extLst>
+          </a:blip>
+          <a:srcRect l="-263" t="14122" r="263" b="44513"/>
+          <a:stretch/>
+        </p:blipFill>
+        <p:spPr>
+          <a:xfrm>
+            <a:off x="616017" y="2805739"/>
+            <a:ext cx="3174738" cy="1568779"/>
+          </a:xfrm>
+          <a:prstGeom prst="rect">
+            <a:avLst/>
+          </a:prstGeom>
+        </p:spPr>
+      </p:pic>
+      <p:graphicFrame>
+        <p:nvGraphicFramePr>
+          <p:cNvPr id="3" name="Table 2"/>
+          <p:cNvGraphicFramePr>
+            <a:graphicFrameLocks noGrp="1"/>
+          </p:cNvGraphicFramePr>
+          <p:nvPr>
+            <p:extLst>
+              <p:ext uri="{D42A27DB-BD31-4B8C-83A1-F6EECF244321}">
+                <p14:modId xmlns:p14="http://schemas.microsoft.com/office/powerpoint/2010/main" val="2778683924"/>
+              </p:ext>
+            </p:extLst>
+          </p:nvPr>
+        </p:nvGraphicFramePr>
+        <p:xfrm>
+          <a:off x="616017" y="2145957"/>
+          <a:ext cx="3184891" cy="640080"/>
+        </p:xfrm>
+        <a:graphic>
+          <a:graphicData uri="http://schemas.openxmlformats.org/drawingml/2006/table">
+            <a:tbl>
+              <a:tblPr firstRow="1" bandRow="1">
+                <a:tableStyleId>{5C22544A-7EE6-4342-B048-85BDC9FD1C3A}</a:tableStyleId>
+              </a:tblPr>
+              <a:tblGrid>
+                <a:gridCol w="3184891"/>
+              </a:tblGrid>
+              <a:tr h="640080">
+                <a:tc>
+                  <a:txBody>
+                    <a:bodyPr/>
+                    <a:lstStyle/>
+                    <a:p>
+                      <a:r>
+                        <a:rPr lang="en-SG" dirty="0" smtClean="0"/>
+                        <a:t>Changing</a:t>
+                      </a:r>
+                      <a:r>
+                        <a:rPr lang="en-SG" baseline="0" dirty="0" smtClean="0"/>
+                        <a:t> settings</a:t>
+                      </a:r>
+                      <a:endParaRPr lang="en-SG" dirty="0"/>
+                    </a:p>
+                  </a:txBody>
+                  <a:tcPr/>
+                </a:tc>
+              </a:tr>
+            </a:tbl>
+          </a:graphicData>
+        </a:graphic>
+      </p:graphicFrame>
+      <p:pic>
+        <p:nvPicPr>
+          <p:cNvPr id="4" name="Picture 3"/>
+          <p:cNvPicPr>
+            <a:picLocks noChangeAspect="1"/>
+          </p:cNvPicPr>
+          <p:nvPr/>
+        </p:nvPicPr>
+        <p:blipFill rotWithShape="1">
+          <a:blip r:embed="rId8" cstate="print">
+            <a:extLst>
+              <a:ext uri="{28A0092B-C50C-407E-A947-70E740481C1C}">
+                <a14:useLocalDpi xmlns:a14="http://schemas.microsoft.com/office/drawing/2010/main" val="0"/>
+              </a:ext>
+            </a:extLst>
+          </a:blip>
+          <a:srcRect t="17037" r="53974" b="29695"/>
+          <a:stretch/>
+        </p:blipFill>
+        <p:spPr>
+          <a:xfrm>
+            <a:off x="616016" y="5107657"/>
+            <a:ext cx="3184892" cy="1509641"/>
+          </a:xfrm>
+          <a:prstGeom prst="rect">
+            <a:avLst/>
+          </a:prstGeom>
+        </p:spPr>
+      </p:pic>
+      <p:graphicFrame>
+        <p:nvGraphicFramePr>
+          <p:cNvPr id="5" name="Table 4"/>
+          <p:cNvGraphicFramePr>
+            <a:graphicFrameLocks noGrp="1"/>
+          </p:cNvGraphicFramePr>
+          <p:nvPr>
+            <p:extLst>
+              <p:ext uri="{D42A27DB-BD31-4B8C-83A1-F6EECF244321}">
+                <p14:modId xmlns:p14="http://schemas.microsoft.com/office/powerpoint/2010/main" val="1878382516"/>
+              </p:ext>
+            </p:extLst>
+          </p:nvPr>
+        </p:nvGraphicFramePr>
+        <p:xfrm>
+          <a:off x="616014" y="4467577"/>
+          <a:ext cx="3184893" cy="640079"/>
+        </p:xfrm>
+        <a:graphic>
+          <a:graphicData uri="http://schemas.openxmlformats.org/drawingml/2006/table">
+            <a:tbl>
+              <a:tblPr firstRow="1" bandRow="1">
+                <a:tableStyleId>{5C22544A-7EE6-4342-B048-85BDC9FD1C3A}</a:tableStyleId>
+              </a:tblPr>
+              <a:tblGrid>
+                <a:gridCol w="3184893"/>
+              </a:tblGrid>
+              <a:tr h="640079">
+                <a:tc>
+                  <a:txBody>
+                    <a:bodyPr/>
+                    <a:lstStyle/>
+                    <a:p>
+                      <a:r>
+                        <a:rPr lang="en-SG" dirty="0" smtClean="0"/>
+                        <a:t>Logging</a:t>
                       </a:r>
                       <a:endParaRPr lang="en-SG" dirty="0"/>
                     </a:p>

--- a/cs5231 poster.pptx
+++ b/cs5231 poster.pptx
@@ -243,7 +243,7 @@
           <a:p>
             <a:fld id="{9A055ADC-C109-43F5-B495-AB4159B5EC5D}" type="datetimeFigureOut">
               <a:rPr lang="en-SG" smtClean="0"/>
-              <a:t>7/11/2016</a:t>
+              <a:t>8/11/2016</a:t>
             </a:fld>
             <a:endParaRPr lang="en-SG"/>
           </a:p>
@@ -413,7 +413,7 @@
           <a:p>
             <a:fld id="{9A055ADC-C109-43F5-B495-AB4159B5EC5D}" type="datetimeFigureOut">
               <a:rPr lang="en-SG" smtClean="0"/>
-              <a:t>7/11/2016</a:t>
+              <a:t>8/11/2016</a:t>
             </a:fld>
             <a:endParaRPr lang="en-SG"/>
           </a:p>
@@ -593,7 +593,7 @@
           <a:p>
             <a:fld id="{9A055ADC-C109-43F5-B495-AB4159B5EC5D}" type="datetimeFigureOut">
               <a:rPr lang="en-SG" smtClean="0"/>
-              <a:t>7/11/2016</a:t>
+              <a:t>8/11/2016</a:t>
             </a:fld>
             <a:endParaRPr lang="en-SG"/>
           </a:p>
@@ -763,7 +763,7 @@
           <a:p>
             <a:fld id="{9A055ADC-C109-43F5-B495-AB4159B5EC5D}" type="datetimeFigureOut">
               <a:rPr lang="en-SG" smtClean="0"/>
-              <a:t>7/11/2016</a:t>
+              <a:t>8/11/2016</a:t>
             </a:fld>
             <a:endParaRPr lang="en-SG"/>
           </a:p>
@@ -1009,7 +1009,7 @@
           <a:p>
             <a:fld id="{9A055ADC-C109-43F5-B495-AB4159B5EC5D}" type="datetimeFigureOut">
               <a:rPr lang="en-SG" smtClean="0"/>
-              <a:t>7/11/2016</a:t>
+              <a:t>8/11/2016</a:t>
             </a:fld>
             <a:endParaRPr lang="en-SG"/>
           </a:p>
@@ -1241,7 +1241,7 @@
           <a:p>
             <a:fld id="{9A055ADC-C109-43F5-B495-AB4159B5EC5D}" type="datetimeFigureOut">
               <a:rPr lang="en-SG" smtClean="0"/>
-              <a:t>7/11/2016</a:t>
+              <a:t>8/11/2016</a:t>
             </a:fld>
             <a:endParaRPr lang="en-SG"/>
           </a:p>
@@ -1608,7 +1608,7 @@
           <a:p>
             <a:fld id="{9A055ADC-C109-43F5-B495-AB4159B5EC5D}" type="datetimeFigureOut">
               <a:rPr lang="en-SG" smtClean="0"/>
-              <a:t>7/11/2016</a:t>
+              <a:t>8/11/2016</a:t>
             </a:fld>
             <a:endParaRPr lang="en-SG"/>
           </a:p>
@@ -1726,7 +1726,7 @@
           <a:p>
             <a:fld id="{9A055ADC-C109-43F5-B495-AB4159B5EC5D}" type="datetimeFigureOut">
               <a:rPr lang="en-SG" smtClean="0"/>
-              <a:t>7/11/2016</a:t>
+              <a:t>8/11/2016</a:t>
             </a:fld>
             <a:endParaRPr lang="en-SG"/>
           </a:p>
@@ -1821,7 +1821,7 @@
           <a:p>
             <a:fld id="{9A055ADC-C109-43F5-B495-AB4159B5EC5D}" type="datetimeFigureOut">
               <a:rPr lang="en-SG" smtClean="0"/>
-              <a:t>7/11/2016</a:t>
+              <a:t>8/11/2016</a:t>
             </a:fld>
             <a:endParaRPr lang="en-SG"/>
           </a:p>
@@ -2098,7 +2098,7 @@
           <a:p>
             <a:fld id="{9A055ADC-C109-43F5-B495-AB4159B5EC5D}" type="datetimeFigureOut">
               <a:rPr lang="en-SG" smtClean="0"/>
-              <a:t>7/11/2016</a:t>
+              <a:t>8/11/2016</a:t>
             </a:fld>
             <a:endParaRPr lang="en-SG"/>
           </a:p>
@@ -2351,7 +2351,7 @@
           <a:p>
             <a:fld id="{9A055ADC-C109-43F5-B495-AB4159B5EC5D}" type="datetimeFigureOut">
               <a:rPr lang="en-SG" smtClean="0"/>
-              <a:t>7/11/2016</a:t>
+              <a:t>8/11/2016</a:t>
             </a:fld>
             <a:endParaRPr lang="en-SG"/>
           </a:p>
@@ -2564,7 +2564,7 @@
           <a:p>
             <a:fld id="{9A055ADC-C109-43F5-B495-AB4159B5EC5D}" type="datetimeFigureOut">
               <a:rPr lang="en-SG" smtClean="0"/>
-              <a:t>7/11/2016</a:t>
+              <a:t>8/11/2016</a:t>
             </a:fld>
             <a:endParaRPr lang="en-SG"/>
           </a:p>
@@ -2998,8 +2998,8 @@
         </p:blipFill>
         <p:spPr>
           <a:xfrm>
-            <a:off x="3049604" y="333866"/>
-            <a:ext cx="6092792" cy="1775967"/>
+            <a:off x="3484344" y="333866"/>
+            <a:ext cx="5043639" cy="1775967"/>
           </a:xfrm>
           <a:prstGeom prst="rect">
             <a:avLst/>
@@ -3059,94 +3059,6 @@
           </a:p>
         </p:txBody>
       </p:sp>
-      <p:pic>
-        <p:nvPicPr>
-          <p:cNvPr id="14" name="Picture 13"/>
-          <p:cNvPicPr>
-            <a:picLocks noChangeAspect="1"/>
-          </p:cNvPicPr>
-          <p:nvPr/>
-        </p:nvPicPr>
-        <p:blipFill rotWithShape="1">
-          <a:blip r:embed="rId3">
-            <a:extLst>
-              <a:ext uri="{28A0092B-C50C-407E-A947-70E740481C1C}">
-                <a14:useLocalDpi xmlns:a14="http://schemas.microsoft.com/office/drawing/2010/main" val="0"/>
-              </a:ext>
-            </a:extLst>
-          </a:blip>
-          <a:srcRect l="-610" t="36871" r="610" b="34401"/>
-          <a:stretch/>
-        </p:blipFill>
-        <p:spPr>
-          <a:xfrm>
-            <a:off x="8287349" y="5107658"/>
-            <a:ext cx="3273984" cy="1509641"/>
-          </a:xfrm>
-          <a:prstGeom prst="rect">
-            <a:avLst/>
-          </a:prstGeom>
-        </p:spPr>
-      </p:pic>
-      <p:pic>
-        <p:nvPicPr>
-          <p:cNvPr id="15" name="Picture 14"/>
-          <p:cNvPicPr>
-            <a:picLocks noChangeAspect="1"/>
-          </p:cNvPicPr>
-          <p:nvPr/>
-        </p:nvPicPr>
-        <p:blipFill rotWithShape="1">
-          <a:blip r:embed="rId4">
-            <a:extLst>
-              <a:ext uri="{28A0092B-C50C-407E-A947-70E740481C1C}">
-                <a14:useLocalDpi xmlns:a14="http://schemas.microsoft.com/office/drawing/2010/main" val="0"/>
-              </a:ext>
-            </a:extLst>
-          </a:blip>
-          <a:srcRect t="87246"/>
-          <a:stretch/>
-        </p:blipFill>
-        <p:spPr>
-          <a:xfrm>
-            <a:off x="4369869" y="5120334"/>
-            <a:ext cx="3128207" cy="1496965"/>
-          </a:xfrm>
-          <a:prstGeom prst="rect">
-            <a:avLst/>
-          </a:prstGeom>
-        </p:spPr>
-      </p:pic>
-      <p:pic>
-        <p:nvPicPr>
-          <p:cNvPr id="16" name="Picture 15"/>
-          <p:cNvPicPr>
-            <a:picLocks noChangeAspect="1"/>
-          </p:cNvPicPr>
-          <p:nvPr/>
-        </p:nvPicPr>
-        <p:blipFill>
-          <a:blip r:embed="rId5">
-            <a:extLst>
-              <a:ext uri="{28A0092B-C50C-407E-A947-70E740481C1C}">
-                <a14:useLocalDpi xmlns:a14="http://schemas.microsoft.com/office/drawing/2010/main" val="0"/>
-              </a:ext>
-            </a:extLst>
-          </a:blip>
-          <a:stretch>
-            <a:fillRect/>
-          </a:stretch>
-        </p:blipFill>
-        <p:spPr>
-          <a:xfrm>
-            <a:off x="4369869" y="2760828"/>
-            <a:ext cx="3166710" cy="1568779"/>
-          </a:xfrm>
-          <a:prstGeom prst="rect">
-            <a:avLst/>
-          </a:prstGeom>
-        </p:spPr>
-      </p:pic>
       <p:graphicFrame>
         <p:nvGraphicFramePr>
           <p:cNvPr id="17" name="Table 16"/>
@@ -3156,14 +3068,14 @@
           <p:nvPr>
             <p:extLst>
               <p:ext uri="{D42A27DB-BD31-4B8C-83A1-F6EECF244321}">
-                <p14:modId xmlns:p14="http://schemas.microsoft.com/office/powerpoint/2010/main" val="3914842891"/>
+                <p14:modId xmlns:p14="http://schemas.microsoft.com/office/powerpoint/2010/main" val="4080516476"/>
               </p:ext>
             </p:extLst>
           </p:nvPr>
         </p:nvGraphicFramePr>
         <p:xfrm>
-          <a:off x="4369869" y="2145957"/>
-          <a:ext cx="3166710" cy="640080"/>
+          <a:off x="4321740" y="2309582"/>
+          <a:ext cx="3378465" cy="640080"/>
         </p:xfrm>
         <a:graphic>
           <a:graphicData uri="http://schemas.openxmlformats.org/drawingml/2006/table">
@@ -3172,7 +3084,7 @@
                 <a:tableStyleId>{5C22544A-7EE6-4342-B048-85BDC9FD1C3A}</a:tableStyleId>
               </a:tblPr>
               <a:tblGrid>
-                <a:gridCol w="3166710"/>
+                <a:gridCol w="3378465"/>
               </a:tblGrid>
               <a:tr h="385149">
                 <a:tc>
@@ -3203,11 +3115,7 @@
                       </a:r>
                       <a:r>
                         <a:rPr lang="en-SG" baseline="0" dirty="0" smtClean="0"/>
-                        <a:t>ing of </a:t>
-                      </a:r>
-                      <a:r>
-                        <a:rPr lang="en-SG" baseline="0" dirty="0" smtClean="0"/>
-                        <a:t>Data</a:t>
+                        <a:t>ing of Data</a:t>
                       </a:r>
                       <a:endParaRPr lang="en-SG" dirty="0" smtClean="0"/>
                     </a:p>
@@ -3231,14 +3139,14 @@
           <p:nvPr>
             <p:extLst>
               <p:ext uri="{D42A27DB-BD31-4B8C-83A1-F6EECF244321}">
-                <p14:modId xmlns:p14="http://schemas.microsoft.com/office/powerpoint/2010/main" val="4192133049"/>
+                <p14:modId xmlns:p14="http://schemas.microsoft.com/office/powerpoint/2010/main" val="1905605876"/>
               </p:ext>
             </p:extLst>
           </p:nvPr>
         </p:nvGraphicFramePr>
         <p:xfrm>
-          <a:off x="4369870" y="4467578"/>
-          <a:ext cx="3128208" cy="640080"/>
+          <a:off x="4321740" y="4631203"/>
+          <a:ext cx="3339964" cy="640080"/>
         </p:xfrm>
         <a:graphic>
           <a:graphicData uri="http://schemas.openxmlformats.org/drawingml/2006/table">
@@ -3247,7 +3155,7 @@
                 <a:tableStyleId>{5C22544A-7EE6-4342-B048-85BDC9FD1C3A}</a:tableStyleId>
               </a:tblPr>
               <a:tblGrid>
-                <a:gridCol w="3128208"/>
+                <a:gridCol w="3339964"/>
               </a:tblGrid>
               <a:tr h="0">
                 <a:tc>
@@ -3302,13 +3210,13 @@
           <p:nvPr>
             <p:extLst>
               <p:ext uri="{D42A27DB-BD31-4B8C-83A1-F6EECF244321}">
-                <p14:modId xmlns:p14="http://schemas.microsoft.com/office/powerpoint/2010/main" val="1271550356"/>
+                <p14:modId xmlns:p14="http://schemas.microsoft.com/office/powerpoint/2010/main" val="621412325"/>
               </p:ext>
             </p:extLst>
           </p:nvPr>
         </p:nvGraphicFramePr>
         <p:xfrm>
-          <a:off x="8287350" y="4467578"/>
+          <a:off x="8672359" y="4640828"/>
           <a:ext cx="3273983" cy="640080"/>
         </p:xfrm>
         <a:graphic>
@@ -3340,35 +3248,6 @@
           </a:graphicData>
         </a:graphic>
       </p:graphicFrame>
-      <p:pic>
-        <p:nvPicPr>
-          <p:cNvPr id="20" name="Picture 19"/>
-          <p:cNvPicPr>
-            <a:picLocks noChangeAspect="1"/>
-          </p:cNvPicPr>
-          <p:nvPr/>
-        </p:nvPicPr>
-        <p:blipFill rotWithShape="1">
-          <a:blip r:embed="rId6">
-            <a:extLst>
-              <a:ext uri="{28A0092B-C50C-407E-A947-70E740481C1C}">
-                <a14:useLocalDpi xmlns:a14="http://schemas.microsoft.com/office/drawing/2010/main" val="0"/>
-              </a:ext>
-            </a:extLst>
-          </a:blip>
-          <a:srcRect l="4124" t="40870" r="8875" b="33043"/>
-          <a:stretch/>
-        </p:blipFill>
-        <p:spPr>
-          <a:xfrm>
-            <a:off x="8287354" y="2779110"/>
-            <a:ext cx="3273984" cy="1552258"/>
-          </a:xfrm>
-          <a:prstGeom prst="rect">
-            <a:avLst/>
-          </a:prstGeom>
-        </p:spPr>
-      </p:pic>
       <p:graphicFrame>
         <p:nvGraphicFramePr>
           <p:cNvPr id="21" name="Table 20"/>
@@ -3378,14 +3257,14 @@
           <p:nvPr>
             <p:extLst>
               <p:ext uri="{D42A27DB-BD31-4B8C-83A1-F6EECF244321}">
-                <p14:modId xmlns:p14="http://schemas.microsoft.com/office/powerpoint/2010/main" val="986691667"/>
+                <p14:modId xmlns:p14="http://schemas.microsoft.com/office/powerpoint/2010/main" val="66291313"/>
               </p:ext>
             </p:extLst>
           </p:nvPr>
         </p:nvGraphicFramePr>
         <p:xfrm>
-          <a:off x="8287354" y="2145957"/>
-          <a:ext cx="3273984" cy="616632"/>
+          <a:off x="8672363" y="2290332"/>
+          <a:ext cx="3273984" cy="659329"/>
         </p:xfrm>
         <a:graphic>
           <a:graphicData uri="http://schemas.openxmlformats.org/drawingml/2006/table">
@@ -3396,7 +3275,7 @@
               <a:tblGrid>
                 <a:gridCol w="3273984"/>
               </a:tblGrid>
-              <a:tr h="616632">
+              <a:tr h="659329">
                 <a:tc>
                   <a:txBody>
                     <a:bodyPr/>
@@ -3420,35 +3299,6 @@
           </a:graphicData>
         </a:graphic>
       </p:graphicFrame>
-      <p:pic>
-        <p:nvPicPr>
-          <p:cNvPr id="2" name="Picture 1"/>
-          <p:cNvPicPr>
-            <a:picLocks noChangeAspect="1"/>
-          </p:cNvPicPr>
-          <p:nvPr/>
-        </p:nvPicPr>
-        <p:blipFill rotWithShape="1">
-          <a:blip r:embed="rId7">
-            <a:extLst>
-              <a:ext uri="{28A0092B-C50C-407E-A947-70E740481C1C}">
-                <a14:useLocalDpi xmlns:a14="http://schemas.microsoft.com/office/drawing/2010/main" val="0"/>
-              </a:ext>
-            </a:extLst>
-          </a:blip>
-          <a:srcRect l="-263" t="14122" r="263" b="44513"/>
-          <a:stretch/>
-        </p:blipFill>
-        <p:spPr>
-          <a:xfrm>
-            <a:off x="616017" y="2805739"/>
-            <a:ext cx="3174738" cy="1568779"/>
-          </a:xfrm>
-          <a:prstGeom prst="rect">
-            <a:avLst/>
-          </a:prstGeom>
-        </p:spPr>
-      </p:pic>
       <p:graphicFrame>
         <p:nvGraphicFramePr>
           <p:cNvPr id="3" name="Table 2"/>
@@ -3458,13 +3308,13 @@
           <p:nvPr>
             <p:extLst>
               <p:ext uri="{D42A27DB-BD31-4B8C-83A1-F6EECF244321}">
-                <p14:modId xmlns:p14="http://schemas.microsoft.com/office/powerpoint/2010/main" val="2778683924"/>
+                <p14:modId xmlns:p14="http://schemas.microsoft.com/office/powerpoint/2010/main" val="3773300898"/>
               </p:ext>
             </p:extLst>
           </p:nvPr>
         </p:nvGraphicFramePr>
         <p:xfrm>
-          <a:off x="616017" y="2145957"/>
+          <a:off x="163632" y="2290332"/>
           <a:ext cx="3184891" cy="640080"/>
         </p:xfrm>
         <a:graphic>
@@ -3500,35 +3350,6 @@
           </a:graphicData>
         </a:graphic>
       </p:graphicFrame>
-      <p:pic>
-        <p:nvPicPr>
-          <p:cNvPr id="4" name="Picture 3"/>
-          <p:cNvPicPr>
-            <a:picLocks noChangeAspect="1"/>
-          </p:cNvPicPr>
-          <p:nvPr/>
-        </p:nvPicPr>
-        <p:blipFill rotWithShape="1">
-          <a:blip r:embed="rId8" cstate="print">
-            <a:extLst>
-              <a:ext uri="{28A0092B-C50C-407E-A947-70E740481C1C}">
-                <a14:useLocalDpi xmlns:a14="http://schemas.microsoft.com/office/drawing/2010/main" val="0"/>
-              </a:ext>
-            </a:extLst>
-          </a:blip>
-          <a:srcRect t="17037" r="53974" b="29695"/>
-          <a:stretch/>
-        </p:blipFill>
-        <p:spPr>
-          <a:xfrm>
-            <a:off x="616016" y="5107657"/>
-            <a:ext cx="3184892" cy="1509641"/>
-          </a:xfrm>
-          <a:prstGeom prst="rect">
-            <a:avLst/>
-          </a:prstGeom>
-        </p:spPr>
-      </p:pic>
       <p:graphicFrame>
         <p:nvGraphicFramePr>
           <p:cNvPr id="5" name="Table 4"/>
@@ -3538,13 +3359,13 @@
           <p:nvPr>
             <p:extLst>
               <p:ext uri="{D42A27DB-BD31-4B8C-83A1-F6EECF244321}">
-                <p14:modId xmlns:p14="http://schemas.microsoft.com/office/powerpoint/2010/main" val="1878382516"/>
+                <p14:modId xmlns:p14="http://schemas.microsoft.com/office/powerpoint/2010/main" val="3866287895"/>
               </p:ext>
             </p:extLst>
           </p:nvPr>
         </p:nvGraphicFramePr>
         <p:xfrm>
-          <a:off x="616014" y="4467577"/>
+          <a:off x="163629" y="4611952"/>
           <a:ext cx="3184893" cy="640079"/>
         </p:xfrm>
         <a:graphic>
@@ -3576,6 +3397,381 @@
           </a:graphicData>
         </a:graphic>
       </p:graphicFrame>
+      <p:graphicFrame>
+        <p:nvGraphicFramePr>
+          <p:cNvPr id="6" name="Table 5"/>
+          <p:cNvGraphicFramePr>
+            <a:graphicFrameLocks noGrp="1"/>
+          </p:cNvGraphicFramePr>
+          <p:nvPr>
+            <p:extLst>
+              <p:ext uri="{D42A27DB-BD31-4B8C-83A1-F6EECF244321}">
+                <p14:modId xmlns:p14="http://schemas.microsoft.com/office/powerpoint/2010/main" val="3598282608"/>
+              </p:ext>
+            </p:extLst>
+          </p:nvPr>
+        </p:nvGraphicFramePr>
+        <p:xfrm>
+          <a:off x="8681983" y="649785"/>
+          <a:ext cx="3229274" cy="1554480"/>
+        </p:xfrm>
+        <a:graphic>
+          <a:graphicData uri="http://schemas.openxmlformats.org/drawingml/2006/table">
+            <a:tbl>
+              <a:tblPr firstRow="1" bandRow="1">
+                <a:tableStyleId>{5C22544A-7EE6-4342-B048-85BDC9FD1C3A}</a:tableStyleId>
+              </a:tblPr>
+              <a:tblGrid>
+                <a:gridCol w="3229274"/>
+              </a:tblGrid>
+              <a:tr h="217568">
+                <a:tc>
+                  <a:txBody>
+                    <a:bodyPr/>
+                    <a:lstStyle/>
+                    <a:p>
+                      <a:r>
+                        <a:rPr lang="en-SG" dirty="0" smtClean="0"/>
+                        <a:t>Objective</a:t>
+                      </a:r>
+                      <a:endParaRPr lang="en-SG" dirty="0"/>
+                    </a:p>
+                  </a:txBody>
+                  <a:tcPr/>
+                </a:tc>
+              </a:tr>
+              <a:tr h="1139691">
+                <a:tc>
+                  <a:txBody>
+                    <a:bodyPr/>
+                    <a:lstStyle/>
+                    <a:p>
+                      <a:r>
+                        <a:rPr lang="en-US" sz="1200" b="0" i="0" u="none" strike="noStrike" kern="1200" dirty="0" smtClean="0">
+                          <a:solidFill>
+                            <a:schemeClr val="dk1"/>
+                          </a:solidFill>
+                          <a:effectLst/>
+                          <a:latin typeface="+mn-lt"/>
+                          <a:ea typeface="+mn-ea"/>
+                          <a:cs typeface="+mn-cs"/>
+                        </a:rPr>
+                        <a:t>Explore potential ways in which the specific process model of charging a smartphone, where a USB cable is used to establish physical connection to a power bank, can be exploited to gain unauthorized access to said smartphone.</a:t>
+                      </a:r>
+                      <a:r>
+                        <a:rPr lang="en-US" sz="1200" b="0" dirty="0" smtClean="0">
+                          <a:effectLst/>
+                        </a:rPr>
+                        <a:t/>
+                      </a:r>
+                      <a:br>
+                        <a:rPr lang="en-US" sz="1200" b="0" dirty="0" smtClean="0">
+                          <a:effectLst/>
+                        </a:rPr>
+                      </a:br>
+                      <a:endParaRPr lang="en-SG" sz="1200" dirty="0"/>
+                    </a:p>
+                  </a:txBody>
+                  <a:tcPr/>
+                </a:tc>
+              </a:tr>
+            </a:tbl>
+          </a:graphicData>
+        </a:graphic>
+      </p:graphicFrame>
+      <p:graphicFrame>
+        <p:nvGraphicFramePr>
+          <p:cNvPr id="7" name="Table 6"/>
+          <p:cNvGraphicFramePr>
+            <a:graphicFrameLocks noGrp="1"/>
+          </p:cNvGraphicFramePr>
+          <p:nvPr>
+            <p:extLst>
+              <p:ext uri="{D42A27DB-BD31-4B8C-83A1-F6EECF244321}">
+                <p14:modId xmlns:p14="http://schemas.microsoft.com/office/powerpoint/2010/main" val="256337458"/>
+              </p:ext>
+            </p:extLst>
+          </p:nvPr>
+        </p:nvGraphicFramePr>
+        <p:xfrm>
+          <a:off x="163629" y="661215"/>
+          <a:ext cx="3166715" cy="1531620"/>
+        </p:xfrm>
+        <a:graphic>
+          <a:graphicData uri="http://schemas.openxmlformats.org/drawingml/2006/table">
+            <a:tbl>
+              <a:tblPr firstRow="1" bandRow="1">
+                <a:tableStyleId>{5C22544A-7EE6-4342-B048-85BDC9FD1C3A}</a:tableStyleId>
+              </a:tblPr>
+              <a:tblGrid>
+                <a:gridCol w="3166715"/>
+              </a:tblGrid>
+              <a:tr h="357292">
+                <a:tc>
+                  <a:txBody>
+                    <a:bodyPr/>
+                    <a:lstStyle/>
+                    <a:p>
+                      <a:r>
+                        <a:rPr lang="en-SG" dirty="0" smtClean="0"/>
+                        <a:t>Introduction</a:t>
+                      </a:r>
+                      <a:endParaRPr lang="en-SG" dirty="0"/>
+                    </a:p>
+                  </a:txBody>
+                  <a:tcPr/>
+                </a:tc>
+              </a:tr>
+              <a:tr h="357292">
+                <a:tc>
+                  <a:txBody>
+                    <a:bodyPr/>
+                    <a:lstStyle/>
+                    <a:p>
+                      <a:r>
+                        <a:rPr lang="en-US" sz="1200" b="0" i="0" u="none" strike="noStrike" kern="1200" dirty="0" smtClean="0">
+                          <a:solidFill>
+                            <a:schemeClr val="dk1"/>
+                          </a:solidFill>
+                          <a:effectLst/>
+                          <a:latin typeface="+mn-lt"/>
+                          <a:ea typeface="+mn-ea"/>
+                          <a:cs typeface="+mn-cs"/>
+                        </a:rPr>
+                        <a:t>A Single Board Computer can simulate a portable power bank due to the small form factor and potential to be enclosed within a custom casing. Tricking</a:t>
+                      </a:r>
+                      <a:r>
+                        <a:rPr lang="en-US" sz="1200" b="0" i="0" u="none" strike="noStrike" kern="1200" baseline="0" dirty="0" smtClean="0">
+                          <a:solidFill>
+                            <a:schemeClr val="dk1"/>
+                          </a:solidFill>
+                          <a:effectLst/>
+                          <a:latin typeface="+mn-lt"/>
+                          <a:ea typeface="+mn-ea"/>
+                          <a:cs typeface="+mn-cs"/>
+                        </a:rPr>
+                        <a:t> user</a:t>
+                      </a:r>
+                      <a:r>
+                        <a:rPr lang="en-US" sz="1200" b="0" i="0" u="none" strike="noStrike" kern="1200" dirty="0" smtClean="0">
+                          <a:solidFill>
+                            <a:schemeClr val="dk1"/>
+                          </a:solidFill>
+                          <a:effectLst/>
+                          <a:latin typeface="+mn-lt"/>
+                          <a:ea typeface="+mn-ea"/>
+                          <a:cs typeface="+mn-cs"/>
+                        </a:rPr>
+                        <a:t> to</a:t>
+                      </a:r>
+                      <a:r>
+                        <a:rPr lang="en-US" sz="1200" b="0" i="0" u="none" strike="noStrike" kern="1200" baseline="0" dirty="0" smtClean="0">
+                          <a:solidFill>
+                            <a:schemeClr val="dk1"/>
+                          </a:solidFill>
+                          <a:effectLst/>
+                          <a:latin typeface="+mn-lt"/>
+                          <a:ea typeface="+mn-ea"/>
+                          <a:cs typeface="+mn-cs"/>
+                        </a:rPr>
+                        <a:t> establish a connection with it.</a:t>
+                      </a:r>
+                      <a:r>
+                        <a:rPr lang="en-US" sz="1050" b="0" dirty="0" smtClean="0">
+                          <a:effectLst/>
+                        </a:rPr>
+                        <a:t/>
+                      </a:r>
+                      <a:br>
+                        <a:rPr lang="en-US" sz="1050" b="0" dirty="0" smtClean="0">
+                          <a:effectLst/>
+                        </a:rPr>
+                      </a:br>
+                      <a:endParaRPr lang="en-SG" sz="1050" dirty="0"/>
+                    </a:p>
+                  </a:txBody>
+                  <a:tcPr/>
+                </a:tc>
+              </a:tr>
+            </a:tbl>
+          </a:graphicData>
+        </a:graphic>
+      </p:graphicFrame>
+      <p:pic>
+        <p:nvPicPr>
+          <p:cNvPr id="14" name="Picture 13"/>
+          <p:cNvPicPr>
+            <a:picLocks noChangeAspect="1"/>
+          </p:cNvPicPr>
+          <p:nvPr/>
+        </p:nvPicPr>
+        <p:blipFill rotWithShape="1">
+          <a:blip r:embed="rId3">
+            <a:extLst>
+              <a:ext uri="{28A0092B-C50C-407E-A947-70E740481C1C}">
+                <a14:useLocalDpi xmlns:a14="http://schemas.microsoft.com/office/drawing/2010/main" val="0"/>
+              </a:ext>
+            </a:extLst>
+          </a:blip>
+          <a:srcRect l="-610" t="36871" r="610" b="34401"/>
+          <a:stretch/>
+        </p:blipFill>
+        <p:spPr>
+          <a:xfrm>
+            <a:off x="8672358" y="5252032"/>
+            <a:ext cx="3261254" cy="1509641"/>
+          </a:xfrm>
+          <a:prstGeom prst="rect">
+            <a:avLst/>
+          </a:prstGeom>
+        </p:spPr>
+      </p:pic>
+      <p:pic>
+        <p:nvPicPr>
+          <p:cNvPr id="20" name="Picture 19"/>
+          <p:cNvPicPr>
+            <a:picLocks noChangeAspect="1"/>
+          </p:cNvPicPr>
+          <p:nvPr/>
+        </p:nvPicPr>
+        <p:blipFill rotWithShape="1">
+          <a:blip r:embed="rId4">
+            <a:extLst>
+              <a:ext uri="{28A0092B-C50C-407E-A947-70E740481C1C}">
+                <a14:useLocalDpi xmlns:a14="http://schemas.microsoft.com/office/drawing/2010/main" val="0"/>
+              </a:ext>
+            </a:extLst>
+          </a:blip>
+          <a:srcRect l="4124" t="40870" r="8875" b="33043"/>
+          <a:stretch/>
+        </p:blipFill>
+        <p:spPr>
+          <a:xfrm>
+            <a:off x="8672363" y="2919649"/>
+            <a:ext cx="3273984" cy="1568779"/>
+          </a:xfrm>
+          <a:prstGeom prst="rect">
+            <a:avLst/>
+          </a:prstGeom>
+        </p:spPr>
+      </p:pic>
+      <p:pic>
+        <p:nvPicPr>
+          <p:cNvPr id="16" name="Picture 15"/>
+          <p:cNvPicPr>
+            <a:picLocks noChangeAspect="1"/>
+          </p:cNvPicPr>
+          <p:nvPr/>
+        </p:nvPicPr>
+        <p:blipFill>
+          <a:blip r:embed="rId5">
+            <a:extLst>
+              <a:ext uri="{28A0092B-C50C-407E-A947-70E740481C1C}">
+                <a14:useLocalDpi xmlns:a14="http://schemas.microsoft.com/office/drawing/2010/main" val="0"/>
+              </a:ext>
+            </a:extLst>
+          </a:blip>
+          <a:stretch>
+            <a:fillRect/>
+          </a:stretch>
+        </p:blipFill>
+        <p:spPr>
+          <a:xfrm>
+            <a:off x="4321740" y="2924453"/>
+            <a:ext cx="3378465" cy="1568779"/>
+          </a:xfrm>
+          <a:prstGeom prst="rect">
+            <a:avLst/>
+          </a:prstGeom>
+        </p:spPr>
+      </p:pic>
+      <p:pic>
+        <p:nvPicPr>
+          <p:cNvPr id="15" name="Picture 14"/>
+          <p:cNvPicPr>
+            <a:picLocks noChangeAspect="1"/>
+          </p:cNvPicPr>
+          <p:nvPr/>
+        </p:nvPicPr>
+        <p:blipFill rotWithShape="1">
+          <a:blip r:embed="rId6">
+            <a:extLst>
+              <a:ext uri="{28A0092B-C50C-407E-A947-70E740481C1C}">
+                <a14:useLocalDpi xmlns:a14="http://schemas.microsoft.com/office/drawing/2010/main" val="0"/>
+              </a:ext>
+            </a:extLst>
+          </a:blip>
+          <a:srcRect t="87246"/>
+          <a:stretch/>
+        </p:blipFill>
+        <p:spPr>
+          <a:xfrm>
+            <a:off x="4321741" y="5283959"/>
+            <a:ext cx="3339962" cy="1496965"/>
+          </a:xfrm>
+          <a:prstGeom prst="rect">
+            <a:avLst/>
+          </a:prstGeom>
+        </p:spPr>
+      </p:pic>
+      <p:pic>
+        <p:nvPicPr>
+          <p:cNvPr id="4" name="Picture 3"/>
+          <p:cNvPicPr>
+            <a:picLocks noChangeAspect="1"/>
+          </p:cNvPicPr>
+          <p:nvPr/>
+        </p:nvPicPr>
+        <p:blipFill rotWithShape="1">
+          <a:blip r:embed="rId7" cstate="print">
+            <a:extLst>
+              <a:ext uri="{28A0092B-C50C-407E-A947-70E740481C1C}">
+                <a14:useLocalDpi xmlns:a14="http://schemas.microsoft.com/office/drawing/2010/main" val="0"/>
+              </a:ext>
+            </a:extLst>
+          </a:blip>
+          <a:srcRect t="17037" r="53974" b="29695"/>
+          <a:stretch/>
+        </p:blipFill>
+        <p:spPr>
+          <a:xfrm>
+            <a:off x="163631" y="5252032"/>
+            <a:ext cx="3184892" cy="1509641"/>
+          </a:xfrm>
+          <a:prstGeom prst="rect">
+            <a:avLst/>
+          </a:prstGeom>
+        </p:spPr>
+      </p:pic>
+      <p:pic>
+        <p:nvPicPr>
+          <p:cNvPr id="2" name="Picture 1"/>
+          <p:cNvPicPr>
+            <a:picLocks noChangeAspect="1"/>
+          </p:cNvPicPr>
+          <p:nvPr/>
+        </p:nvPicPr>
+        <p:blipFill rotWithShape="1">
+          <a:blip r:embed="rId8">
+            <a:extLst>
+              <a:ext uri="{28A0092B-C50C-407E-A947-70E740481C1C}">
+                <a14:useLocalDpi xmlns:a14="http://schemas.microsoft.com/office/drawing/2010/main" val="0"/>
+              </a:ext>
+            </a:extLst>
+          </a:blip>
+          <a:srcRect l="-263" t="14122" r="263" b="44513"/>
+          <a:stretch/>
+        </p:blipFill>
+        <p:spPr>
+          <a:xfrm>
+            <a:off x="163629" y="2919649"/>
+            <a:ext cx="3174738" cy="1568779"/>
+          </a:xfrm>
+          <a:prstGeom prst="rect">
+            <a:avLst/>
+          </a:prstGeom>
+        </p:spPr>
+      </p:pic>
     </p:spTree>
     <p:extLst>
       <p:ext uri="{BB962C8B-B14F-4D97-AF65-F5344CB8AC3E}">
